--- a/ppt 16-9/0475.传福音吧.pptx
+++ b/ppt 16-9/0475.传福音吧.pptx
@@ -129,7 +129,7 @@
           <p:cNvPr id="2" name="标题 1">
             <a:extLst>
               <a:ext uri="{FF2B5EF4-FFF2-40B4-BE49-F238E27FC236}">
-                <a16:creationId xmlns:a16="http://schemas.microsoft.com/office/drawing/2014/main" id="{CA8DFB5B-982B-26B9-1C6D-F4C0F715F872}"/>
+                <a16:creationId xmlns:a16="http://schemas.microsoft.com/office/drawing/2014/main" id="{73831AE2-9BB5-055E-6B6A-DDEB01CBEF14}"/>
               </a:ext>
             </a:extLst>
           </p:cNvPr>
@@ -166,7 +166,7 @@
           <p:cNvPr id="3" name="副标题 2">
             <a:extLst>
               <a:ext uri="{FF2B5EF4-FFF2-40B4-BE49-F238E27FC236}">
-                <a16:creationId xmlns:a16="http://schemas.microsoft.com/office/drawing/2014/main" id="{43BF934D-DA61-24EE-39AF-EA72BFD1CE93}"/>
+                <a16:creationId xmlns:a16="http://schemas.microsoft.com/office/drawing/2014/main" id="{26E7BC6D-F9BB-325B-92B4-FFFD0569FF20}"/>
               </a:ext>
             </a:extLst>
           </p:cNvPr>
@@ -236,7 +236,7 @@
           <p:cNvPr id="4" name="日期占位符 3">
             <a:extLst>
               <a:ext uri="{FF2B5EF4-FFF2-40B4-BE49-F238E27FC236}">
-                <a16:creationId xmlns:a16="http://schemas.microsoft.com/office/drawing/2014/main" id="{3D4C36C6-5053-23C6-AAD7-AA0D768D19CB}"/>
+                <a16:creationId xmlns:a16="http://schemas.microsoft.com/office/drawing/2014/main" id="{8646EA7D-C0AC-0357-80A0-EA8B76554FED}"/>
               </a:ext>
             </a:extLst>
           </p:cNvPr>
@@ -252,7 +252,7 @@
           <a:bodyPr/>
           <a:lstStyle/>
           <a:p>
-            <a:fld id="{9FEBEBCA-5311-45B5-B27A-4F6EA44E1CD4}" type="datetimeFigureOut">
+            <a:fld id="{6EEAF51C-78FD-4DB0-A17D-4820035E7901}" type="datetimeFigureOut">
               <a:rPr lang="zh-CN" altLang="en-US" smtClean="0"/>
               <a:t>2024/3/10</a:t>
             </a:fld>
@@ -265,7 +265,7 @@
           <p:cNvPr id="5" name="页脚占位符 4">
             <a:extLst>
               <a:ext uri="{FF2B5EF4-FFF2-40B4-BE49-F238E27FC236}">
-                <a16:creationId xmlns:a16="http://schemas.microsoft.com/office/drawing/2014/main" id="{8E4BFE92-1AE9-9CC5-09C7-1ED29B447F0C}"/>
+                <a16:creationId xmlns:a16="http://schemas.microsoft.com/office/drawing/2014/main" id="{AA9C0523-ED62-A2E1-F2AF-C5F6D84364B7}"/>
               </a:ext>
             </a:extLst>
           </p:cNvPr>
@@ -290,7 +290,7 @@
           <p:cNvPr id="6" name="灯片编号占位符 5">
             <a:extLst>
               <a:ext uri="{FF2B5EF4-FFF2-40B4-BE49-F238E27FC236}">
-                <a16:creationId xmlns:a16="http://schemas.microsoft.com/office/drawing/2014/main" id="{90C2BE8B-05EF-BD54-39DA-7E02B2A7314B}"/>
+                <a16:creationId xmlns:a16="http://schemas.microsoft.com/office/drawing/2014/main" id="{F3B34C52-2F76-B18A-E91F-FEB7B610997F}"/>
               </a:ext>
             </a:extLst>
           </p:cNvPr>
@@ -306,7 +306,7 @@
           <a:bodyPr/>
           <a:lstStyle/>
           <a:p>
-            <a:fld id="{3F4AF4E9-7651-4E96-AF50-1E1A0FCAD712}" type="slidenum">
+            <a:fld id="{DA434274-8E94-4103-9B3A-70F920EC5DF3}" type="slidenum">
               <a:rPr lang="zh-CN" altLang="en-US" smtClean="0"/>
               <a:t>‹#›</a:t>
             </a:fld>
@@ -317,7 +317,7 @@
     </p:spTree>
     <p:extLst>
       <p:ext uri="{BB962C8B-B14F-4D97-AF65-F5344CB8AC3E}">
-        <p14:creationId xmlns:p14="http://schemas.microsoft.com/office/powerpoint/2010/main" val="2624608836"/>
+        <p14:creationId xmlns:p14="http://schemas.microsoft.com/office/powerpoint/2010/main" val="2062464210"/>
       </p:ext>
     </p:extLst>
   </p:cSld>
@@ -349,7 +349,7 @@
           <p:cNvPr id="2" name="标题 1">
             <a:extLst>
               <a:ext uri="{FF2B5EF4-FFF2-40B4-BE49-F238E27FC236}">
-                <a16:creationId xmlns:a16="http://schemas.microsoft.com/office/drawing/2014/main" id="{B9B64BB3-0D84-3924-E159-C6611A0EA568}"/>
+                <a16:creationId xmlns:a16="http://schemas.microsoft.com/office/drawing/2014/main" id="{3FB6020D-BF79-966C-7EDB-7EDB312EFAF7}"/>
               </a:ext>
             </a:extLst>
           </p:cNvPr>
@@ -377,7 +377,7 @@
           <p:cNvPr id="3" name="竖排文字占位符 2">
             <a:extLst>
               <a:ext uri="{FF2B5EF4-FFF2-40B4-BE49-F238E27FC236}">
-                <a16:creationId xmlns:a16="http://schemas.microsoft.com/office/drawing/2014/main" id="{7582506F-422D-CDF4-A038-E4FF3C2BD3A1}"/>
+                <a16:creationId xmlns:a16="http://schemas.microsoft.com/office/drawing/2014/main" id="{8C72CACD-16F5-520D-8519-F07725A0CFA0}"/>
               </a:ext>
             </a:extLst>
           </p:cNvPr>
@@ -434,7 +434,7 @@
           <p:cNvPr id="4" name="日期占位符 3">
             <a:extLst>
               <a:ext uri="{FF2B5EF4-FFF2-40B4-BE49-F238E27FC236}">
-                <a16:creationId xmlns:a16="http://schemas.microsoft.com/office/drawing/2014/main" id="{54757C5F-3EE5-04EE-2184-1F0DA80690A1}"/>
+                <a16:creationId xmlns:a16="http://schemas.microsoft.com/office/drawing/2014/main" id="{4BBFA4DC-C9BE-43DE-5A6D-FB279D7EC2B8}"/>
               </a:ext>
             </a:extLst>
           </p:cNvPr>
@@ -450,7 +450,7 @@
           <a:bodyPr/>
           <a:lstStyle/>
           <a:p>
-            <a:fld id="{9FEBEBCA-5311-45B5-B27A-4F6EA44E1CD4}" type="datetimeFigureOut">
+            <a:fld id="{6EEAF51C-78FD-4DB0-A17D-4820035E7901}" type="datetimeFigureOut">
               <a:rPr lang="zh-CN" altLang="en-US" smtClean="0"/>
               <a:t>2024/3/10</a:t>
             </a:fld>
@@ -463,7 +463,7 @@
           <p:cNvPr id="5" name="页脚占位符 4">
             <a:extLst>
               <a:ext uri="{FF2B5EF4-FFF2-40B4-BE49-F238E27FC236}">
-                <a16:creationId xmlns:a16="http://schemas.microsoft.com/office/drawing/2014/main" id="{F9CDE868-17A2-587F-D1E9-2947AAC58247}"/>
+                <a16:creationId xmlns:a16="http://schemas.microsoft.com/office/drawing/2014/main" id="{8FFD3C72-D740-406F-24C2-7E95E726271B}"/>
               </a:ext>
             </a:extLst>
           </p:cNvPr>
@@ -488,7 +488,7 @@
           <p:cNvPr id="6" name="灯片编号占位符 5">
             <a:extLst>
               <a:ext uri="{FF2B5EF4-FFF2-40B4-BE49-F238E27FC236}">
-                <a16:creationId xmlns:a16="http://schemas.microsoft.com/office/drawing/2014/main" id="{EF55CA43-8391-4756-E0C3-7F688A6238F9}"/>
+                <a16:creationId xmlns:a16="http://schemas.microsoft.com/office/drawing/2014/main" id="{1D483770-7229-9F02-89DF-A8CCF6F9EC7E}"/>
               </a:ext>
             </a:extLst>
           </p:cNvPr>
@@ -504,7 +504,7 @@
           <a:bodyPr/>
           <a:lstStyle/>
           <a:p>
-            <a:fld id="{3F4AF4E9-7651-4E96-AF50-1E1A0FCAD712}" type="slidenum">
+            <a:fld id="{DA434274-8E94-4103-9B3A-70F920EC5DF3}" type="slidenum">
               <a:rPr lang="zh-CN" altLang="en-US" smtClean="0"/>
               <a:t>‹#›</a:t>
             </a:fld>
@@ -515,7 +515,7 @@
     </p:spTree>
     <p:extLst>
       <p:ext uri="{BB962C8B-B14F-4D97-AF65-F5344CB8AC3E}">
-        <p14:creationId xmlns:p14="http://schemas.microsoft.com/office/powerpoint/2010/main" val="3417986888"/>
+        <p14:creationId xmlns:p14="http://schemas.microsoft.com/office/powerpoint/2010/main" val="526806206"/>
       </p:ext>
     </p:extLst>
   </p:cSld>
@@ -547,7 +547,7 @@
           <p:cNvPr id="2" name="竖排标题 1">
             <a:extLst>
               <a:ext uri="{FF2B5EF4-FFF2-40B4-BE49-F238E27FC236}">
-                <a16:creationId xmlns:a16="http://schemas.microsoft.com/office/drawing/2014/main" id="{0D0E56F0-396C-F393-1359-821241A8653E}"/>
+                <a16:creationId xmlns:a16="http://schemas.microsoft.com/office/drawing/2014/main" id="{B5C1369C-B5B2-B5E3-EBFF-0D19DEF35252}"/>
               </a:ext>
             </a:extLst>
           </p:cNvPr>
@@ -580,7 +580,7 @@
           <p:cNvPr id="3" name="竖排文字占位符 2">
             <a:extLst>
               <a:ext uri="{FF2B5EF4-FFF2-40B4-BE49-F238E27FC236}">
-                <a16:creationId xmlns:a16="http://schemas.microsoft.com/office/drawing/2014/main" id="{06520745-776D-A98E-3D58-5B05FE338BAA}"/>
+                <a16:creationId xmlns:a16="http://schemas.microsoft.com/office/drawing/2014/main" id="{B2940388-7B00-B91F-AFD9-0DC60D89DAD9}"/>
               </a:ext>
             </a:extLst>
           </p:cNvPr>
@@ -642,7 +642,7 @@
           <p:cNvPr id="4" name="日期占位符 3">
             <a:extLst>
               <a:ext uri="{FF2B5EF4-FFF2-40B4-BE49-F238E27FC236}">
-                <a16:creationId xmlns:a16="http://schemas.microsoft.com/office/drawing/2014/main" id="{6F0928DD-24A1-8609-0265-63A6A54970A5}"/>
+                <a16:creationId xmlns:a16="http://schemas.microsoft.com/office/drawing/2014/main" id="{C20E0B33-13BC-2A36-5BBC-8CFF0EA8C9AD}"/>
               </a:ext>
             </a:extLst>
           </p:cNvPr>
@@ -658,7 +658,7 @@
           <a:bodyPr/>
           <a:lstStyle/>
           <a:p>
-            <a:fld id="{9FEBEBCA-5311-45B5-B27A-4F6EA44E1CD4}" type="datetimeFigureOut">
+            <a:fld id="{6EEAF51C-78FD-4DB0-A17D-4820035E7901}" type="datetimeFigureOut">
               <a:rPr lang="zh-CN" altLang="en-US" smtClean="0"/>
               <a:t>2024/3/10</a:t>
             </a:fld>
@@ -671,7 +671,7 @@
           <p:cNvPr id="5" name="页脚占位符 4">
             <a:extLst>
               <a:ext uri="{FF2B5EF4-FFF2-40B4-BE49-F238E27FC236}">
-                <a16:creationId xmlns:a16="http://schemas.microsoft.com/office/drawing/2014/main" id="{C2E8BC51-81B6-6CBC-0B2E-85CCCB46C039}"/>
+                <a16:creationId xmlns:a16="http://schemas.microsoft.com/office/drawing/2014/main" id="{8320E7AC-9CA4-D90A-0793-C764CCC989AC}"/>
               </a:ext>
             </a:extLst>
           </p:cNvPr>
@@ -696,7 +696,7 @@
           <p:cNvPr id="6" name="灯片编号占位符 5">
             <a:extLst>
               <a:ext uri="{FF2B5EF4-FFF2-40B4-BE49-F238E27FC236}">
-                <a16:creationId xmlns:a16="http://schemas.microsoft.com/office/drawing/2014/main" id="{3D070982-7527-E9F7-7377-76CF617B3312}"/>
+                <a16:creationId xmlns:a16="http://schemas.microsoft.com/office/drawing/2014/main" id="{DBF4662C-BD87-EB05-DB45-C6F554894FC5}"/>
               </a:ext>
             </a:extLst>
           </p:cNvPr>
@@ -712,7 +712,7 @@
           <a:bodyPr/>
           <a:lstStyle/>
           <a:p>
-            <a:fld id="{3F4AF4E9-7651-4E96-AF50-1E1A0FCAD712}" type="slidenum">
+            <a:fld id="{DA434274-8E94-4103-9B3A-70F920EC5DF3}" type="slidenum">
               <a:rPr lang="zh-CN" altLang="en-US" smtClean="0"/>
               <a:t>‹#›</a:t>
             </a:fld>
@@ -723,7 +723,7 @@
     </p:spTree>
     <p:extLst>
       <p:ext uri="{BB962C8B-B14F-4D97-AF65-F5344CB8AC3E}">
-        <p14:creationId xmlns:p14="http://schemas.microsoft.com/office/powerpoint/2010/main" val="1663597221"/>
+        <p14:creationId xmlns:p14="http://schemas.microsoft.com/office/powerpoint/2010/main" val="2689611422"/>
       </p:ext>
     </p:extLst>
   </p:cSld>
@@ -755,7 +755,7 @@
           <p:cNvPr id="2" name="标题 1">
             <a:extLst>
               <a:ext uri="{FF2B5EF4-FFF2-40B4-BE49-F238E27FC236}">
-                <a16:creationId xmlns:a16="http://schemas.microsoft.com/office/drawing/2014/main" id="{342EF6AE-72AC-1DAF-22AC-6BC486C63957}"/>
+                <a16:creationId xmlns:a16="http://schemas.microsoft.com/office/drawing/2014/main" id="{54A22A23-DF1D-78C7-E7BA-FB507FBF452E}"/>
               </a:ext>
             </a:extLst>
           </p:cNvPr>
@@ -783,7 +783,7 @@
           <p:cNvPr id="3" name="内容占位符 2">
             <a:extLst>
               <a:ext uri="{FF2B5EF4-FFF2-40B4-BE49-F238E27FC236}">
-                <a16:creationId xmlns:a16="http://schemas.microsoft.com/office/drawing/2014/main" id="{7B23DA01-2470-8A8D-5D41-5D63172BD571}"/>
+                <a16:creationId xmlns:a16="http://schemas.microsoft.com/office/drawing/2014/main" id="{352E8586-1C99-1430-703D-1BD4074F59FC}"/>
               </a:ext>
             </a:extLst>
           </p:cNvPr>
@@ -840,7 +840,7 @@
           <p:cNvPr id="4" name="日期占位符 3">
             <a:extLst>
               <a:ext uri="{FF2B5EF4-FFF2-40B4-BE49-F238E27FC236}">
-                <a16:creationId xmlns:a16="http://schemas.microsoft.com/office/drawing/2014/main" id="{BAA74080-7E08-D1C6-E0EB-ED9C8DA71D53}"/>
+                <a16:creationId xmlns:a16="http://schemas.microsoft.com/office/drawing/2014/main" id="{68E5AAEF-5411-1F8D-56E4-83C1F38D9A7B}"/>
               </a:ext>
             </a:extLst>
           </p:cNvPr>
@@ -856,7 +856,7 @@
           <a:bodyPr/>
           <a:lstStyle/>
           <a:p>
-            <a:fld id="{9FEBEBCA-5311-45B5-B27A-4F6EA44E1CD4}" type="datetimeFigureOut">
+            <a:fld id="{6EEAF51C-78FD-4DB0-A17D-4820035E7901}" type="datetimeFigureOut">
               <a:rPr lang="zh-CN" altLang="en-US" smtClean="0"/>
               <a:t>2024/3/10</a:t>
             </a:fld>
@@ -869,7 +869,7 @@
           <p:cNvPr id="5" name="页脚占位符 4">
             <a:extLst>
               <a:ext uri="{FF2B5EF4-FFF2-40B4-BE49-F238E27FC236}">
-                <a16:creationId xmlns:a16="http://schemas.microsoft.com/office/drawing/2014/main" id="{90252975-3785-5524-8DC1-015D0580C2F3}"/>
+                <a16:creationId xmlns:a16="http://schemas.microsoft.com/office/drawing/2014/main" id="{9FC9FBF0-E303-0B6F-2028-A3B946771383}"/>
               </a:ext>
             </a:extLst>
           </p:cNvPr>
@@ -894,7 +894,7 @@
           <p:cNvPr id="6" name="灯片编号占位符 5">
             <a:extLst>
               <a:ext uri="{FF2B5EF4-FFF2-40B4-BE49-F238E27FC236}">
-                <a16:creationId xmlns:a16="http://schemas.microsoft.com/office/drawing/2014/main" id="{34C07C19-71DC-903B-9143-CCC91C0D2BBB}"/>
+                <a16:creationId xmlns:a16="http://schemas.microsoft.com/office/drawing/2014/main" id="{17AC37B1-06E4-9BBF-E3B2-9CE4CA9016EE}"/>
               </a:ext>
             </a:extLst>
           </p:cNvPr>
@@ -910,7 +910,7 @@
           <a:bodyPr/>
           <a:lstStyle/>
           <a:p>
-            <a:fld id="{3F4AF4E9-7651-4E96-AF50-1E1A0FCAD712}" type="slidenum">
+            <a:fld id="{DA434274-8E94-4103-9B3A-70F920EC5DF3}" type="slidenum">
               <a:rPr lang="zh-CN" altLang="en-US" smtClean="0"/>
               <a:t>‹#›</a:t>
             </a:fld>
@@ -921,7 +921,7 @@
     </p:spTree>
     <p:extLst>
       <p:ext uri="{BB962C8B-B14F-4D97-AF65-F5344CB8AC3E}">
-        <p14:creationId xmlns:p14="http://schemas.microsoft.com/office/powerpoint/2010/main" val="1451702897"/>
+        <p14:creationId xmlns:p14="http://schemas.microsoft.com/office/powerpoint/2010/main" val="395714205"/>
       </p:ext>
     </p:extLst>
   </p:cSld>
@@ -953,7 +953,7 @@
           <p:cNvPr id="2" name="标题 1">
             <a:extLst>
               <a:ext uri="{FF2B5EF4-FFF2-40B4-BE49-F238E27FC236}">
-                <a16:creationId xmlns:a16="http://schemas.microsoft.com/office/drawing/2014/main" id="{40CBBFF6-2FBE-045B-B648-77695F715915}"/>
+                <a16:creationId xmlns:a16="http://schemas.microsoft.com/office/drawing/2014/main" id="{1531526F-88F0-509C-30FF-B124B319EB5F}"/>
               </a:ext>
             </a:extLst>
           </p:cNvPr>
@@ -990,7 +990,7 @@
           <p:cNvPr id="3" name="文本占位符 2">
             <a:extLst>
               <a:ext uri="{FF2B5EF4-FFF2-40B4-BE49-F238E27FC236}">
-                <a16:creationId xmlns:a16="http://schemas.microsoft.com/office/drawing/2014/main" id="{51C4FFB4-95E9-C838-956D-5EDD133B24C3}"/>
+                <a16:creationId xmlns:a16="http://schemas.microsoft.com/office/drawing/2014/main" id="{C387DABD-FFF1-565A-C742-46D1BEC8D372}"/>
               </a:ext>
             </a:extLst>
           </p:cNvPr>
@@ -1115,7 +1115,7 @@
           <p:cNvPr id="4" name="日期占位符 3">
             <a:extLst>
               <a:ext uri="{FF2B5EF4-FFF2-40B4-BE49-F238E27FC236}">
-                <a16:creationId xmlns:a16="http://schemas.microsoft.com/office/drawing/2014/main" id="{EE435288-3DF0-37CB-1358-D97085DB3351}"/>
+                <a16:creationId xmlns:a16="http://schemas.microsoft.com/office/drawing/2014/main" id="{21A3268D-0D36-C629-152D-DAD2EA75A72B}"/>
               </a:ext>
             </a:extLst>
           </p:cNvPr>
@@ -1131,7 +1131,7 @@
           <a:bodyPr/>
           <a:lstStyle/>
           <a:p>
-            <a:fld id="{9FEBEBCA-5311-45B5-B27A-4F6EA44E1CD4}" type="datetimeFigureOut">
+            <a:fld id="{6EEAF51C-78FD-4DB0-A17D-4820035E7901}" type="datetimeFigureOut">
               <a:rPr lang="zh-CN" altLang="en-US" smtClean="0"/>
               <a:t>2024/3/10</a:t>
             </a:fld>
@@ -1144,7 +1144,7 @@
           <p:cNvPr id="5" name="页脚占位符 4">
             <a:extLst>
               <a:ext uri="{FF2B5EF4-FFF2-40B4-BE49-F238E27FC236}">
-                <a16:creationId xmlns:a16="http://schemas.microsoft.com/office/drawing/2014/main" id="{277755B1-44C0-5A76-EE22-8293BB202B24}"/>
+                <a16:creationId xmlns:a16="http://schemas.microsoft.com/office/drawing/2014/main" id="{9CC64E2F-C8CC-6508-D523-F919D00C73D4}"/>
               </a:ext>
             </a:extLst>
           </p:cNvPr>
@@ -1169,7 +1169,7 @@
           <p:cNvPr id="6" name="灯片编号占位符 5">
             <a:extLst>
               <a:ext uri="{FF2B5EF4-FFF2-40B4-BE49-F238E27FC236}">
-                <a16:creationId xmlns:a16="http://schemas.microsoft.com/office/drawing/2014/main" id="{FBA808E9-B61E-95DD-BF6A-D2DA8629D71A}"/>
+                <a16:creationId xmlns:a16="http://schemas.microsoft.com/office/drawing/2014/main" id="{3CB5AA01-E486-2E7B-1ABA-7DDF96482BA3}"/>
               </a:ext>
             </a:extLst>
           </p:cNvPr>
@@ -1185,7 +1185,7 @@
           <a:bodyPr/>
           <a:lstStyle/>
           <a:p>
-            <a:fld id="{3F4AF4E9-7651-4E96-AF50-1E1A0FCAD712}" type="slidenum">
+            <a:fld id="{DA434274-8E94-4103-9B3A-70F920EC5DF3}" type="slidenum">
               <a:rPr lang="zh-CN" altLang="en-US" smtClean="0"/>
               <a:t>‹#›</a:t>
             </a:fld>
@@ -1196,7 +1196,7 @@
     </p:spTree>
     <p:extLst>
       <p:ext uri="{BB962C8B-B14F-4D97-AF65-F5344CB8AC3E}">
-        <p14:creationId xmlns:p14="http://schemas.microsoft.com/office/powerpoint/2010/main" val="709791190"/>
+        <p14:creationId xmlns:p14="http://schemas.microsoft.com/office/powerpoint/2010/main" val="1189775613"/>
       </p:ext>
     </p:extLst>
   </p:cSld>
@@ -1228,7 +1228,7 @@
           <p:cNvPr id="2" name="标题 1">
             <a:extLst>
               <a:ext uri="{FF2B5EF4-FFF2-40B4-BE49-F238E27FC236}">
-                <a16:creationId xmlns:a16="http://schemas.microsoft.com/office/drawing/2014/main" id="{9CC8C8B6-1E74-5754-48AE-1E185925D106}"/>
+                <a16:creationId xmlns:a16="http://schemas.microsoft.com/office/drawing/2014/main" id="{8EF7A704-DA63-CAD7-D68E-46F86DCFEDEB}"/>
               </a:ext>
             </a:extLst>
           </p:cNvPr>
@@ -1256,7 +1256,7 @@
           <p:cNvPr id="3" name="内容占位符 2">
             <a:extLst>
               <a:ext uri="{FF2B5EF4-FFF2-40B4-BE49-F238E27FC236}">
-                <a16:creationId xmlns:a16="http://schemas.microsoft.com/office/drawing/2014/main" id="{E6E1C323-7D8F-2B63-E7F3-FC88A08C955F}"/>
+                <a16:creationId xmlns:a16="http://schemas.microsoft.com/office/drawing/2014/main" id="{119E222C-31C4-FE53-2DAC-5959BB16AC0F}"/>
               </a:ext>
             </a:extLst>
           </p:cNvPr>
@@ -1318,7 +1318,7 @@
           <p:cNvPr id="4" name="内容占位符 3">
             <a:extLst>
               <a:ext uri="{FF2B5EF4-FFF2-40B4-BE49-F238E27FC236}">
-                <a16:creationId xmlns:a16="http://schemas.microsoft.com/office/drawing/2014/main" id="{672D2327-4732-E7F4-A77B-D92482702C6C}"/>
+                <a16:creationId xmlns:a16="http://schemas.microsoft.com/office/drawing/2014/main" id="{F17A9DA7-9BC0-D1EF-6315-A2A542166BBF}"/>
               </a:ext>
             </a:extLst>
           </p:cNvPr>
@@ -1380,7 +1380,7 @@
           <p:cNvPr id="5" name="日期占位符 4">
             <a:extLst>
               <a:ext uri="{FF2B5EF4-FFF2-40B4-BE49-F238E27FC236}">
-                <a16:creationId xmlns:a16="http://schemas.microsoft.com/office/drawing/2014/main" id="{00935B0D-E98A-A78C-E7BE-2AC895F2A1A6}"/>
+                <a16:creationId xmlns:a16="http://schemas.microsoft.com/office/drawing/2014/main" id="{CA6D57BB-E16E-1243-4EE4-92C557241F4E}"/>
               </a:ext>
             </a:extLst>
           </p:cNvPr>
@@ -1396,7 +1396,7 @@
           <a:bodyPr/>
           <a:lstStyle/>
           <a:p>
-            <a:fld id="{9FEBEBCA-5311-45B5-B27A-4F6EA44E1CD4}" type="datetimeFigureOut">
+            <a:fld id="{6EEAF51C-78FD-4DB0-A17D-4820035E7901}" type="datetimeFigureOut">
               <a:rPr lang="zh-CN" altLang="en-US" smtClean="0"/>
               <a:t>2024/3/10</a:t>
             </a:fld>
@@ -1409,7 +1409,7 @@
           <p:cNvPr id="6" name="页脚占位符 5">
             <a:extLst>
               <a:ext uri="{FF2B5EF4-FFF2-40B4-BE49-F238E27FC236}">
-                <a16:creationId xmlns:a16="http://schemas.microsoft.com/office/drawing/2014/main" id="{284D9A43-B7A4-589A-628E-0BA582CE7F47}"/>
+                <a16:creationId xmlns:a16="http://schemas.microsoft.com/office/drawing/2014/main" id="{C207C5E8-A889-F1FF-9847-90F20268BFEA}"/>
               </a:ext>
             </a:extLst>
           </p:cNvPr>
@@ -1434,7 +1434,7 @@
           <p:cNvPr id="7" name="灯片编号占位符 6">
             <a:extLst>
               <a:ext uri="{FF2B5EF4-FFF2-40B4-BE49-F238E27FC236}">
-                <a16:creationId xmlns:a16="http://schemas.microsoft.com/office/drawing/2014/main" id="{CE846FAC-C669-A318-179C-6125EFA7D64E}"/>
+                <a16:creationId xmlns:a16="http://schemas.microsoft.com/office/drawing/2014/main" id="{CC6CAEBF-1E15-5C7B-7267-89D410A060C3}"/>
               </a:ext>
             </a:extLst>
           </p:cNvPr>
@@ -1450,7 +1450,7 @@
           <a:bodyPr/>
           <a:lstStyle/>
           <a:p>
-            <a:fld id="{3F4AF4E9-7651-4E96-AF50-1E1A0FCAD712}" type="slidenum">
+            <a:fld id="{DA434274-8E94-4103-9B3A-70F920EC5DF3}" type="slidenum">
               <a:rPr lang="zh-CN" altLang="en-US" smtClean="0"/>
               <a:t>‹#›</a:t>
             </a:fld>
@@ -1461,7 +1461,7 @@
     </p:spTree>
     <p:extLst>
       <p:ext uri="{BB962C8B-B14F-4D97-AF65-F5344CB8AC3E}">
-        <p14:creationId xmlns:p14="http://schemas.microsoft.com/office/powerpoint/2010/main" val="4158711493"/>
+        <p14:creationId xmlns:p14="http://schemas.microsoft.com/office/powerpoint/2010/main" val="4141034898"/>
       </p:ext>
     </p:extLst>
   </p:cSld>
@@ -1493,7 +1493,7 @@
           <p:cNvPr id="2" name="标题 1">
             <a:extLst>
               <a:ext uri="{FF2B5EF4-FFF2-40B4-BE49-F238E27FC236}">
-                <a16:creationId xmlns:a16="http://schemas.microsoft.com/office/drawing/2014/main" id="{B6EC3686-104D-128E-E28E-9F1F322F3A42}"/>
+                <a16:creationId xmlns:a16="http://schemas.microsoft.com/office/drawing/2014/main" id="{F4F3FA17-C44D-C05C-35CD-C3F45B009A23}"/>
               </a:ext>
             </a:extLst>
           </p:cNvPr>
@@ -1526,7 +1526,7 @@
           <p:cNvPr id="3" name="文本占位符 2">
             <a:extLst>
               <a:ext uri="{FF2B5EF4-FFF2-40B4-BE49-F238E27FC236}">
-                <a16:creationId xmlns:a16="http://schemas.microsoft.com/office/drawing/2014/main" id="{9F0E4BEC-AA44-2348-174B-9F13D2D5172A}"/>
+                <a16:creationId xmlns:a16="http://schemas.microsoft.com/office/drawing/2014/main" id="{5744C0CC-90F2-A98A-CF1E-2C4CE68DAE91}"/>
               </a:ext>
             </a:extLst>
           </p:cNvPr>
@@ -1597,7 +1597,7 @@
           <p:cNvPr id="4" name="内容占位符 3">
             <a:extLst>
               <a:ext uri="{FF2B5EF4-FFF2-40B4-BE49-F238E27FC236}">
-                <a16:creationId xmlns:a16="http://schemas.microsoft.com/office/drawing/2014/main" id="{42166F56-FEDA-F2AD-9606-FDEC8ECC9176}"/>
+                <a16:creationId xmlns:a16="http://schemas.microsoft.com/office/drawing/2014/main" id="{979DAE9E-7223-D812-66D3-4778F8B78FF1}"/>
               </a:ext>
             </a:extLst>
           </p:cNvPr>
@@ -1659,7 +1659,7 @@
           <p:cNvPr id="5" name="文本占位符 4">
             <a:extLst>
               <a:ext uri="{FF2B5EF4-FFF2-40B4-BE49-F238E27FC236}">
-                <a16:creationId xmlns:a16="http://schemas.microsoft.com/office/drawing/2014/main" id="{93267FB1-0859-953E-C139-8B85542B64EE}"/>
+                <a16:creationId xmlns:a16="http://schemas.microsoft.com/office/drawing/2014/main" id="{1299113B-FA82-8F52-451F-C7BDBA0427EE}"/>
               </a:ext>
             </a:extLst>
           </p:cNvPr>
@@ -1730,7 +1730,7 @@
           <p:cNvPr id="6" name="内容占位符 5">
             <a:extLst>
               <a:ext uri="{FF2B5EF4-FFF2-40B4-BE49-F238E27FC236}">
-                <a16:creationId xmlns:a16="http://schemas.microsoft.com/office/drawing/2014/main" id="{4FAA82F2-0087-083A-EA26-003577500E83}"/>
+                <a16:creationId xmlns:a16="http://schemas.microsoft.com/office/drawing/2014/main" id="{F8790B6E-28A4-F5F4-3B06-B21CF15C63DD}"/>
               </a:ext>
             </a:extLst>
           </p:cNvPr>
@@ -1792,7 +1792,7 @@
           <p:cNvPr id="7" name="日期占位符 6">
             <a:extLst>
               <a:ext uri="{FF2B5EF4-FFF2-40B4-BE49-F238E27FC236}">
-                <a16:creationId xmlns:a16="http://schemas.microsoft.com/office/drawing/2014/main" id="{029FAE31-DB7E-60B9-3894-620635210944}"/>
+                <a16:creationId xmlns:a16="http://schemas.microsoft.com/office/drawing/2014/main" id="{0121CC7A-240F-31D0-0079-4B2A6210FB8E}"/>
               </a:ext>
             </a:extLst>
           </p:cNvPr>
@@ -1808,7 +1808,7 @@
           <a:bodyPr/>
           <a:lstStyle/>
           <a:p>
-            <a:fld id="{9FEBEBCA-5311-45B5-B27A-4F6EA44E1CD4}" type="datetimeFigureOut">
+            <a:fld id="{6EEAF51C-78FD-4DB0-A17D-4820035E7901}" type="datetimeFigureOut">
               <a:rPr lang="zh-CN" altLang="en-US" smtClean="0"/>
               <a:t>2024/3/10</a:t>
             </a:fld>
@@ -1821,7 +1821,7 @@
           <p:cNvPr id="8" name="页脚占位符 7">
             <a:extLst>
               <a:ext uri="{FF2B5EF4-FFF2-40B4-BE49-F238E27FC236}">
-                <a16:creationId xmlns:a16="http://schemas.microsoft.com/office/drawing/2014/main" id="{ED64CB4E-ADF7-1D9B-6A82-7614E8D4DA49}"/>
+                <a16:creationId xmlns:a16="http://schemas.microsoft.com/office/drawing/2014/main" id="{1FE22E67-0452-907C-F3F7-ED9989D2F024}"/>
               </a:ext>
             </a:extLst>
           </p:cNvPr>
@@ -1846,7 +1846,7 @@
           <p:cNvPr id="9" name="灯片编号占位符 8">
             <a:extLst>
               <a:ext uri="{FF2B5EF4-FFF2-40B4-BE49-F238E27FC236}">
-                <a16:creationId xmlns:a16="http://schemas.microsoft.com/office/drawing/2014/main" id="{47343BF2-FB62-143C-2566-51A389574DEE}"/>
+                <a16:creationId xmlns:a16="http://schemas.microsoft.com/office/drawing/2014/main" id="{43E69019-1BCF-AD46-6609-0AE5D24D71D0}"/>
               </a:ext>
             </a:extLst>
           </p:cNvPr>
@@ -1862,7 +1862,7 @@
           <a:bodyPr/>
           <a:lstStyle/>
           <a:p>
-            <a:fld id="{3F4AF4E9-7651-4E96-AF50-1E1A0FCAD712}" type="slidenum">
+            <a:fld id="{DA434274-8E94-4103-9B3A-70F920EC5DF3}" type="slidenum">
               <a:rPr lang="zh-CN" altLang="en-US" smtClean="0"/>
               <a:t>‹#›</a:t>
             </a:fld>
@@ -1873,7 +1873,7 @@
     </p:spTree>
     <p:extLst>
       <p:ext uri="{BB962C8B-B14F-4D97-AF65-F5344CB8AC3E}">
-        <p14:creationId xmlns:p14="http://schemas.microsoft.com/office/powerpoint/2010/main" val="2005192304"/>
+        <p14:creationId xmlns:p14="http://schemas.microsoft.com/office/powerpoint/2010/main" val="4011630362"/>
       </p:ext>
     </p:extLst>
   </p:cSld>
@@ -1905,7 +1905,7 @@
           <p:cNvPr id="2" name="标题 1">
             <a:extLst>
               <a:ext uri="{FF2B5EF4-FFF2-40B4-BE49-F238E27FC236}">
-                <a16:creationId xmlns:a16="http://schemas.microsoft.com/office/drawing/2014/main" id="{151A3DF8-9B0C-75FB-4109-4939E550923D}"/>
+                <a16:creationId xmlns:a16="http://schemas.microsoft.com/office/drawing/2014/main" id="{FF1CE35C-8E5C-FF42-DE79-2D0D75E0DB7B}"/>
               </a:ext>
             </a:extLst>
           </p:cNvPr>
@@ -1933,7 +1933,7 @@
           <p:cNvPr id="3" name="日期占位符 2">
             <a:extLst>
               <a:ext uri="{FF2B5EF4-FFF2-40B4-BE49-F238E27FC236}">
-                <a16:creationId xmlns:a16="http://schemas.microsoft.com/office/drawing/2014/main" id="{E84FA84E-D439-7ED1-8B0A-1CB38CAC5F2D}"/>
+                <a16:creationId xmlns:a16="http://schemas.microsoft.com/office/drawing/2014/main" id="{9C54CE15-3A67-7614-121D-78F7A9CED623}"/>
               </a:ext>
             </a:extLst>
           </p:cNvPr>
@@ -1949,7 +1949,7 @@
           <a:bodyPr/>
           <a:lstStyle/>
           <a:p>
-            <a:fld id="{9FEBEBCA-5311-45B5-B27A-4F6EA44E1CD4}" type="datetimeFigureOut">
+            <a:fld id="{6EEAF51C-78FD-4DB0-A17D-4820035E7901}" type="datetimeFigureOut">
               <a:rPr lang="zh-CN" altLang="en-US" smtClean="0"/>
               <a:t>2024/3/10</a:t>
             </a:fld>
@@ -1962,7 +1962,7 @@
           <p:cNvPr id="4" name="页脚占位符 3">
             <a:extLst>
               <a:ext uri="{FF2B5EF4-FFF2-40B4-BE49-F238E27FC236}">
-                <a16:creationId xmlns:a16="http://schemas.microsoft.com/office/drawing/2014/main" id="{DA9C6F8F-2734-A8A2-8100-A8757D6283C1}"/>
+                <a16:creationId xmlns:a16="http://schemas.microsoft.com/office/drawing/2014/main" id="{D58DC145-9A0E-B507-3185-0FCC26CC55E0}"/>
               </a:ext>
             </a:extLst>
           </p:cNvPr>
@@ -1987,7 +1987,7 @@
           <p:cNvPr id="5" name="灯片编号占位符 4">
             <a:extLst>
               <a:ext uri="{FF2B5EF4-FFF2-40B4-BE49-F238E27FC236}">
-                <a16:creationId xmlns:a16="http://schemas.microsoft.com/office/drawing/2014/main" id="{07E6AC69-096B-90A8-0B92-2ECBEE62583C}"/>
+                <a16:creationId xmlns:a16="http://schemas.microsoft.com/office/drawing/2014/main" id="{AE0CB26C-C4E5-1284-670F-CD9C90D025FA}"/>
               </a:ext>
             </a:extLst>
           </p:cNvPr>
@@ -2003,7 +2003,7 @@
           <a:bodyPr/>
           <a:lstStyle/>
           <a:p>
-            <a:fld id="{3F4AF4E9-7651-4E96-AF50-1E1A0FCAD712}" type="slidenum">
+            <a:fld id="{DA434274-8E94-4103-9B3A-70F920EC5DF3}" type="slidenum">
               <a:rPr lang="zh-CN" altLang="en-US" smtClean="0"/>
               <a:t>‹#›</a:t>
             </a:fld>
@@ -2014,7 +2014,7 @@
     </p:spTree>
     <p:extLst>
       <p:ext uri="{BB962C8B-B14F-4D97-AF65-F5344CB8AC3E}">
-        <p14:creationId xmlns:p14="http://schemas.microsoft.com/office/powerpoint/2010/main" val="661309368"/>
+        <p14:creationId xmlns:p14="http://schemas.microsoft.com/office/powerpoint/2010/main" val="1230953882"/>
       </p:ext>
     </p:extLst>
   </p:cSld>
@@ -2046,7 +2046,7 @@
           <p:cNvPr id="2" name="日期占位符 1">
             <a:extLst>
               <a:ext uri="{FF2B5EF4-FFF2-40B4-BE49-F238E27FC236}">
-                <a16:creationId xmlns:a16="http://schemas.microsoft.com/office/drawing/2014/main" id="{FC950C0C-9A2C-A1CE-7EA7-8208A8C04220}"/>
+                <a16:creationId xmlns:a16="http://schemas.microsoft.com/office/drawing/2014/main" id="{AB2891F9-02DA-7516-9C88-59808EA83A3E}"/>
               </a:ext>
             </a:extLst>
           </p:cNvPr>
@@ -2062,7 +2062,7 @@
           <a:bodyPr/>
           <a:lstStyle/>
           <a:p>
-            <a:fld id="{9FEBEBCA-5311-45B5-B27A-4F6EA44E1CD4}" type="datetimeFigureOut">
+            <a:fld id="{6EEAF51C-78FD-4DB0-A17D-4820035E7901}" type="datetimeFigureOut">
               <a:rPr lang="zh-CN" altLang="en-US" smtClean="0"/>
               <a:t>2024/3/10</a:t>
             </a:fld>
@@ -2075,7 +2075,7 @@
           <p:cNvPr id="3" name="页脚占位符 2">
             <a:extLst>
               <a:ext uri="{FF2B5EF4-FFF2-40B4-BE49-F238E27FC236}">
-                <a16:creationId xmlns:a16="http://schemas.microsoft.com/office/drawing/2014/main" id="{E91467F4-E8CD-B920-1C0E-0E8611C35D42}"/>
+                <a16:creationId xmlns:a16="http://schemas.microsoft.com/office/drawing/2014/main" id="{75BB303C-E698-DAF1-E88F-70C507C913B6}"/>
               </a:ext>
             </a:extLst>
           </p:cNvPr>
@@ -2100,7 +2100,7 @@
           <p:cNvPr id="4" name="灯片编号占位符 3">
             <a:extLst>
               <a:ext uri="{FF2B5EF4-FFF2-40B4-BE49-F238E27FC236}">
-                <a16:creationId xmlns:a16="http://schemas.microsoft.com/office/drawing/2014/main" id="{83EBB29E-B43D-1BC3-350F-7C99EA0543CD}"/>
+                <a16:creationId xmlns:a16="http://schemas.microsoft.com/office/drawing/2014/main" id="{E3983765-25DE-516C-1C30-B9A0EC66FDC9}"/>
               </a:ext>
             </a:extLst>
           </p:cNvPr>
@@ -2116,7 +2116,7 @@
           <a:bodyPr/>
           <a:lstStyle/>
           <a:p>
-            <a:fld id="{3F4AF4E9-7651-4E96-AF50-1E1A0FCAD712}" type="slidenum">
+            <a:fld id="{DA434274-8E94-4103-9B3A-70F920EC5DF3}" type="slidenum">
               <a:rPr lang="zh-CN" altLang="en-US" smtClean="0"/>
               <a:t>‹#›</a:t>
             </a:fld>
@@ -2127,7 +2127,7 @@
     </p:spTree>
     <p:extLst>
       <p:ext uri="{BB962C8B-B14F-4D97-AF65-F5344CB8AC3E}">
-        <p14:creationId xmlns:p14="http://schemas.microsoft.com/office/powerpoint/2010/main" val="1858864027"/>
+        <p14:creationId xmlns:p14="http://schemas.microsoft.com/office/powerpoint/2010/main" val="1392111040"/>
       </p:ext>
     </p:extLst>
   </p:cSld>
@@ -2159,7 +2159,7 @@
           <p:cNvPr id="2" name="标题 1">
             <a:extLst>
               <a:ext uri="{FF2B5EF4-FFF2-40B4-BE49-F238E27FC236}">
-                <a16:creationId xmlns:a16="http://schemas.microsoft.com/office/drawing/2014/main" id="{5645E2F3-1111-FD37-4032-42B05E25D83B}"/>
+                <a16:creationId xmlns:a16="http://schemas.microsoft.com/office/drawing/2014/main" id="{D2FE913D-4B8A-2FE8-16FC-1AEA984F32BE}"/>
               </a:ext>
             </a:extLst>
           </p:cNvPr>
@@ -2196,7 +2196,7 @@
           <p:cNvPr id="3" name="内容占位符 2">
             <a:extLst>
               <a:ext uri="{FF2B5EF4-FFF2-40B4-BE49-F238E27FC236}">
-                <a16:creationId xmlns:a16="http://schemas.microsoft.com/office/drawing/2014/main" id="{9029A02F-D7CE-BA2D-920E-DF342874634A}"/>
+                <a16:creationId xmlns:a16="http://schemas.microsoft.com/office/drawing/2014/main" id="{9C417D43-5B1F-17FC-F020-D0AF857C18C4}"/>
               </a:ext>
             </a:extLst>
           </p:cNvPr>
@@ -2286,7 +2286,7 @@
           <p:cNvPr id="4" name="文本占位符 3">
             <a:extLst>
               <a:ext uri="{FF2B5EF4-FFF2-40B4-BE49-F238E27FC236}">
-                <a16:creationId xmlns:a16="http://schemas.microsoft.com/office/drawing/2014/main" id="{959B5E7C-5BCD-8E6E-1FC6-9B41F6FCB657}"/>
+                <a16:creationId xmlns:a16="http://schemas.microsoft.com/office/drawing/2014/main" id="{C47EDDCE-7023-F9B9-37D5-DB74E594722C}"/>
               </a:ext>
             </a:extLst>
           </p:cNvPr>
@@ -2357,7 +2357,7 @@
           <p:cNvPr id="5" name="日期占位符 4">
             <a:extLst>
               <a:ext uri="{FF2B5EF4-FFF2-40B4-BE49-F238E27FC236}">
-                <a16:creationId xmlns:a16="http://schemas.microsoft.com/office/drawing/2014/main" id="{AD3CE83E-6099-2A67-0931-F0FFB4A9C919}"/>
+                <a16:creationId xmlns:a16="http://schemas.microsoft.com/office/drawing/2014/main" id="{7FA5AB4C-F082-4EF0-1E24-561F6595CFAC}"/>
               </a:ext>
             </a:extLst>
           </p:cNvPr>
@@ -2373,7 +2373,7 @@
           <a:bodyPr/>
           <a:lstStyle/>
           <a:p>
-            <a:fld id="{9FEBEBCA-5311-45B5-B27A-4F6EA44E1CD4}" type="datetimeFigureOut">
+            <a:fld id="{6EEAF51C-78FD-4DB0-A17D-4820035E7901}" type="datetimeFigureOut">
               <a:rPr lang="zh-CN" altLang="en-US" smtClean="0"/>
               <a:t>2024/3/10</a:t>
             </a:fld>
@@ -2386,7 +2386,7 @@
           <p:cNvPr id="6" name="页脚占位符 5">
             <a:extLst>
               <a:ext uri="{FF2B5EF4-FFF2-40B4-BE49-F238E27FC236}">
-                <a16:creationId xmlns:a16="http://schemas.microsoft.com/office/drawing/2014/main" id="{A4F046AC-710A-A0AE-34A1-A6D36B1F2A0A}"/>
+                <a16:creationId xmlns:a16="http://schemas.microsoft.com/office/drawing/2014/main" id="{F053ABFA-008A-CE00-DD18-DA1AB88B8853}"/>
               </a:ext>
             </a:extLst>
           </p:cNvPr>
@@ -2411,7 +2411,7 @@
           <p:cNvPr id="7" name="灯片编号占位符 6">
             <a:extLst>
               <a:ext uri="{FF2B5EF4-FFF2-40B4-BE49-F238E27FC236}">
-                <a16:creationId xmlns:a16="http://schemas.microsoft.com/office/drawing/2014/main" id="{68E3D08F-BCF3-A6C3-4FB7-CD17F2145481}"/>
+                <a16:creationId xmlns:a16="http://schemas.microsoft.com/office/drawing/2014/main" id="{019302B3-D8C6-EA29-AB4D-5B1E57F5F057}"/>
               </a:ext>
             </a:extLst>
           </p:cNvPr>
@@ -2427,7 +2427,7 @@
           <a:bodyPr/>
           <a:lstStyle/>
           <a:p>
-            <a:fld id="{3F4AF4E9-7651-4E96-AF50-1E1A0FCAD712}" type="slidenum">
+            <a:fld id="{DA434274-8E94-4103-9B3A-70F920EC5DF3}" type="slidenum">
               <a:rPr lang="zh-CN" altLang="en-US" smtClean="0"/>
               <a:t>‹#›</a:t>
             </a:fld>
@@ -2438,7 +2438,7 @@
     </p:spTree>
     <p:extLst>
       <p:ext uri="{BB962C8B-B14F-4D97-AF65-F5344CB8AC3E}">
-        <p14:creationId xmlns:p14="http://schemas.microsoft.com/office/powerpoint/2010/main" val="737007166"/>
+        <p14:creationId xmlns:p14="http://schemas.microsoft.com/office/powerpoint/2010/main" val="2419197339"/>
       </p:ext>
     </p:extLst>
   </p:cSld>
@@ -2470,7 +2470,7 @@
           <p:cNvPr id="2" name="标题 1">
             <a:extLst>
               <a:ext uri="{FF2B5EF4-FFF2-40B4-BE49-F238E27FC236}">
-                <a16:creationId xmlns:a16="http://schemas.microsoft.com/office/drawing/2014/main" id="{7410283D-6D60-73E7-2018-F2974D7044DA}"/>
+                <a16:creationId xmlns:a16="http://schemas.microsoft.com/office/drawing/2014/main" id="{2CD24421-A2E6-1F2D-DEB1-B499B8633F1B}"/>
               </a:ext>
             </a:extLst>
           </p:cNvPr>
@@ -2507,7 +2507,7 @@
           <p:cNvPr id="3" name="图片占位符 2">
             <a:extLst>
               <a:ext uri="{FF2B5EF4-FFF2-40B4-BE49-F238E27FC236}">
-                <a16:creationId xmlns:a16="http://schemas.microsoft.com/office/drawing/2014/main" id="{A5C5D7AA-4BA3-9A31-1D64-9D76A8C11BBC}"/>
+                <a16:creationId xmlns:a16="http://schemas.microsoft.com/office/drawing/2014/main" id="{5C49D75E-A1D2-1046-857A-FD1D2986DDE3}"/>
               </a:ext>
             </a:extLst>
           </p:cNvPr>
@@ -2574,7 +2574,7 @@
           <p:cNvPr id="4" name="文本占位符 3">
             <a:extLst>
               <a:ext uri="{FF2B5EF4-FFF2-40B4-BE49-F238E27FC236}">
-                <a16:creationId xmlns:a16="http://schemas.microsoft.com/office/drawing/2014/main" id="{918185A3-8990-ACDC-CD44-285A63F4FBF5}"/>
+                <a16:creationId xmlns:a16="http://schemas.microsoft.com/office/drawing/2014/main" id="{6D5318ED-31E3-7E66-DF95-5C28A182DCD9}"/>
               </a:ext>
             </a:extLst>
           </p:cNvPr>
@@ -2645,7 +2645,7 @@
           <p:cNvPr id="5" name="日期占位符 4">
             <a:extLst>
               <a:ext uri="{FF2B5EF4-FFF2-40B4-BE49-F238E27FC236}">
-                <a16:creationId xmlns:a16="http://schemas.microsoft.com/office/drawing/2014/main" id="{173728CC-A2A7-1EFB-629A-6C6DF0B1627B}"/>
+                <a16:creationId xmlns:a16="http://schemas.microsoft.com/office/drawing/2014/main" id="{96270CF3-7F28-F17A-A854-634168F4339A}"/>
               </a:ext>
             </a:extLst>
           </p:cNvPr>
@@ -2661,7 +2661,7 @@
           <a:bodyPr/>
           <a:lstStyle/>
           <a:p>
-            <a:fld id="{9FEBEBCA-5311-45B5-B27A-4F6EA44E1CD4}" type="datetimeFigureOut">
+            <a:fld id="{6EEAF51C-78FD-4DB0-A17D-4820035E7901}" type="datetimeFigureOut">
               <a:rPr lang="zh-CN" altLang="en-US" smtClean="0"/>
               <a:t>2024/3/10</a:t>
             </a:fld>
@@ -2674,7 +2674,7 @@
           <p:cNvPr id="6" name="页脚占位符 5">
             <a:extLst>
               <a:ext uri="{FF2B5EF4-FFF2-40B4-BE49-F238E27FC236}">
-                <a16:creationId xmlns:a16="http://schemas.microsoft.com/office/drawing/2014/main" id="{135976A1-4ECC-227E-6A69-AFF87D044A5D}"/>
+                <a16:creationId xmlns:a16="http://schemas.microsoft.com/office/drawing/2014/main" id="{E5BF47E9-DAC8-F1B5-5244-543365A29086}"/>
               </a:ext>
             </a:extLst>
           </p:cNvPr>
@@ -2699,7 +2699,7 @@
           <p:cNvPr id="7" name="灯片编号占位符 6">
             <a:extLst>
               <a:ext uri="{FF2B5EF4-FFF2-40B4-BE49-F238E27FC236}">
-                <a16:creationId xmlns:a16="http://schemas.microsoft.com/office/drawing/2014/main" id="{3790CF85-8385-9215-8450-931D06FCB72D}"/>
+                <a16:creationId xmlns:a16="http://schemas.microsoft.com/office/drawing/2014/main" id="{7C517254-866A-804B-0997-415085C5ECC5}"/>
               </a:ext>
             </a:extLst>
           </p:cNvPr>
@@ -2715,7 +2715,7 @@
           <a:bodyPr/>
           <a:lstStyle/>
           <a:p>
-            <a:fld id="{3F4AF4E9-7651-4E96-AF50-1E1A0FCAD712}" type="slidenum">
+            <a:fld id="{DA434274-8E94-4103-9B3A-70F920EC5DF3}" type="slidenum">
               <a:rPr lang="zh-CN" altLang="en-US" smtClean="0"/>
               <a:t>‹#›</a:t>
             </a:fld>
@@ -2726,7 +2726,7 @@
     </p:spTree>
     <p:extLst>
       <p:ext uri="{BB962C8B-B14F-4D97-AF65-F5344CB8AC3E}">
-        <p14:creationId xmlns:p14="http://schemas.microsoft.com/office/powerpoint/2010/main" val="3054250643"/>
+        <p14:creationId xmlns:p14="http://schemas.microsoft.com/office/powerpoint/2010/main" val="1371425531"/>
       </p:ext>
     </p:extLst>
   </p:cSld>
@@ -2763,7 +2763,7 @@
           <p:cNvPr id="2" name="标题占位符 1">
             <a:extLst>
               <a:ext uri="{FF2B5EF4-FFF2-40B4-BE49-F238E27FC236}">
-                <a16:creationId xmlns:a16="http://schemas.microsoft.com/office/drawing/2014/main" id="{F40240A7-6ED3-387B-8E6A-733E5D443FB2}"/>
+                <a16:creationId xmlns:a16="http://schemas.microsoft.com/office/drawing/2014/main" id="{7A7C990C-AB99-6A75-F92A-08C8B49DBEF1}"/>
               </a:ext>
             </a:extLst>
           </p:cNvPr>
@@ -2801,7 +2801,7 @@
           <p:cNvPr id="3" name="文本占位符 2">
             <a:extLst>
               <a:ext uri="{FF2B5EF4-FFF2-40B4-BE49-F238E27FC236}">
-                <a16:creationId xmlns:a16="http://schemas.microsoft.com/office/drawing/2014/main" id="{DB61C149-C6FF-C0DA-D8DA-303AC02A9AC9}"/>
+                <a16:creationId xmlns:a16="http://schemas.microsoft.com/office/drawing/2014/main" id="{41F2700B-2F2E-37A2-3C74-BF9D6E8FD9A7}"/>
               </a:ext>
             </a:extLst>
           </p:cNvPr>
@@ -2868,7 +2868,7 @@
           <p:cNvPr id="4" name="日期占位符 3">
             <a:extLst>
               <a:ext uri="{FF2B5EF4-FFF2-40B4-BE49-F238E27FC236}">
-                <a16:creationId xmlns:a16="http://schemas.microsoft.com/office/drawing/2014/main" id="{429B0A3E-3EE2-7A54-2B29-F67B5FE1D372}"/>
+                <a16:creationId xmlns:a16="http://schemas.microsoft.com/office/drawing/2014/main" id="{E16FD825-3EAA-6B2C-F750-360DB94807EC}"/>
               </a:ext>
             </a:extLst>
           </p:cNvPr>
@@ -2902,7 +2902,7 @@
             </a:lvl1pPr>
           </a:lstStyle>
           <a:p>
-            <a:fld id="{9FEBEBCA-5311-45B5-B27A-4F6EA44E1CD4}" type="datetimeFigureOut">
+            <a:fld id="{6EEAF51C-78FD-4DB0-A17D-4820035E7901}" type="datetimeFigureOut">
               <a:rPr lang="zh-CN" altLang="en-US" smtClean="0"/>
               <a:t>2024/3/10</a:t>
             </a:fld>
@@ -2915,7 +2915,7 @@
           <p:cNvPr id="5" name="页脚占位符 4">
             <a:extLst>
               <a:ext uri="{FF2B5EF4-FFF2-40B4-BE49-F238E27FC236}">
-                <a16:creationId xmlns:a16="http://schemas.microsoft.com/office/drawing/2014/main" id="{52396699-8F1F-D5CB-1BBA-C7EB1BE6B89C}"/>
+                <a16:creationId xmlns:a16="http://schemas.microsoft.com/office/drawing/2014/main" id="{2677E496-C276-D781-D9C2-891413A4A692}"/>
               </a:ext>
             </a:extLst>
           </p:cNvPr>
@@ -2958,7 +2958,7 @@
           <p:cNvPr id="6" name="灯片编号占位符 5">
             <a:extLst>
               <a:ext uri="{FF2B5EF4-FFF2-40B4-BE49-F238E27FC236}">
-                <a16:creationId xmlns:a16="http://schemas.microsoft.com/office/drawing/2014/main" id="{650AAF79-941F-43C1-68C1-1A9C7ADB16FB}"/>
+                <a16:creationId xmlns:a16="http://schemas.microsoft.com/office/drawing/2014/main" id="{4A958639-2250-EE6A-8AAB-6504605764C7}"/>
               </a:ext>
             </a:extLst>
           </p:cNvPr>
@@ -2992,7 +2992,7 @@
             </a:lvl1pPr>
           </a:lstStyle>
           <a:p>
-            <a:fld id="{3F4AF4E9-7651-4E96-AF50-1E1A0FCAD712}" type="slidenum">
+            <a:fld id="{DA434274-8E94-4103-9B3A-70F920EC5DF3}" type="slidenum">
               <a:rPr lang="zh-CN" altLang="en-US" smtClean="0"/>
               <a:t>‹#›</a:t>
             </a:fld>
@@ -3003,7 +3003,7 @@
     </p:spTree>
     <p:extLst>
       <p:ext uri="{BB962C8B-B14F-4D97-AF65-F5344CB8AC3E}">
-        <p14:creationId xmlns:p14="http://schemas.microsoft.com/office/powerpoint/2010/main" val="1908568502"/>
+        <p14:creationId xmlns:p14="http://schemas.microsoft.com/office/powerpoint/2010/main" val="2717140693"/>
       </p:ext>
     </p:extLst>
   </p:cSld>
